--- a/Project 1 - WorldVisitz Mobile Application Agile Delivery Launch/WorldVisitz-Agile-Foundations-SalmaAttia.pptx
+++ b/Project 1 - WorldVisitz Mobile Application Agile Delivery Launch/WorldVisitz-Agile-Foundations-SalmaAttia.pptx
@@ -1608,7 +1608,116 @@
               </a:spcAft>
               <a:buNone/>
             </a:pPr>
-            <a:endParaRPr/>
+            <a:r>
+              <a:rPr lang="en-US" dirty="0"/>
+              <a:t>Good morning gentlemen; this is Salma Attia, certified Agile Coach </a:t>
+            </a:r>
+            <a:r>
+              <a:rPr lang="en-US"/>
+              <a:t>from Ejada. </a:t>
+            </a:r>
+            <a:r>
+              <a:rPr lang="en-US" dirty="0"/>
+              <a:t>Today, I am explaining what agile is and how it will benefit </a:t>
+            </a:r>
+            <a:r>
+              <a:rPr lang="en-US" dirty="0" err="1"/>
+              <a:t>WorldVisitz</a:t>
+            </a:r>
+            <a:r>
+              <a:rPr lang="en-US" dirty="0"/>
+              <a:t>.</a:t>
+            </a:r>
+          </a:p>
+          <a:p>
+            <a:pPr marL="0" lvl="0" indent="0" algn="l" rtl="0">
+              <a:spcBef>
+                <a:spcPts val="0"/>
+              </a:spcBef>
+              <a:spcAft>
+                <a:spcPts val="0"/>
+              </a:spcAft>
+              <a:buNone/>
+            </a:pPr>
+            <a:endParaRPr lang="en-US" dirty="0"/>
+          </a:p>
+          <a:p>
+            <a:pPr marL="0" lvl="0" indent="0" algn="l" rtl="0">
+              <a:spcBef>
+                <a:spcPts val="0"/>
+              </a:spcBef>
+              <a:spcAft>
+                <a:spcPts val="0"/>
+              </a:spcAft>
+              <a:buNone/>
+            </a:pPr>
+            <a:r>
+              <a:rPr lang="en-US" dirty="0"/>
+              <a:t>I believe you're asking yourself; What is agile? in project management Agile is an iterative project management and software development approach that helps teams deliver value to customers faster and with fewer mistakes. So Instead of betting everything on a significant launch, an agile team provides work in small but consumable increments.</a:t>
+            </a:r>
+          </a:p>
+          <a:p>
+            <a:pPr marL="0" lvl="0" indent="0" algn="l" rtl="0">
+              <a:spcBef>
+                <a:spcPts val="0"/>
+              </a:spcBef>
+              <a:spcAft>
+                <a:spcPts val="0"/>
+              </a:spcAft>
+              <a:buNone/>
+            </a:pPr>
+            <a:endParaRPr lang="en-US" dirty="0"/>
+          </a:p>
+          <a:p>
+            <a:pPr marL="0" lvl="0" indent="0" algn="l" rtl="0">
+              <a:spcBef>
+                <a:spcPts val="0"/>
+              </a:spcBef>
+              <a:spcAft>
+                <a:spcPts val="0"/>
+              </a:spcAft>
+              <a:buNone/>
+            </a:pPr>
+            <a:r>
+              <a:rPr lang="en-US" dirty="0"/>
+              <a:t>It has four central values. We call them the agile manifesto: Individuals and interactions over processes and tools, Working software over comprehensive documentation, Customer collaboration over contract negotiation, and finally, Responding to change over following a plan.</a:t>
+            </a:r>
+          </a:p>
+          <a:p>
+            <a:pPr marL="0" lvl="0" indent="0" algn="l" rtl="0">
+              <a:spcBef>
+                <a:spcPts val="0"/>
+              </a:spcBef>
+              <a:spcAft>
+                <a:spcPts val="0"/>
+              </a:spcAft>
+              <a:buNone/>
+            </a:pPr>
+            <a:endParaRPr lang="en-US" dirty="0"/>
+          </a:p>
+          <a:p>
+            <a:pPr marL="0" lvl="0" indent="0" algn="l" rtl="0">
+              <a:spcBef>
+                <a:spcPts val="0"/>
+              </a:spcBef>
+              <a:spcAft>
+                <a:spcPts val="0"/>
+              </a:spcAft>
+              <a:buNone/>
+            </a:pPr>
+            <a:endParaRPr lang="en-US" dirty="0"/>
+          </a:p>
+          <a:p>
+            <a:pPr marL="0" lvl="0" indent="0" algn="l" rtl="0">
+              <a:spcBef>
+                <a:spcPts val="0"/>
+              </a:spcBef>
+              <a:spcAft>
+                <a:spcPts val="0"/>
+              </a:spcAft>
+              <a:buNone/>
+            </a:pPr>
+            <a:endParaRPr dirty="0"/>
           </a:p>
         </p:txBody>
       </p:sp>
@@ -1703,6 +1812,252 @@
           </a:bodyPr>
           <a:lstStyle/>
           <a:p>
+            <a:pPr marL="160095" indent="0">
+              <a:lnSpc>
+                <a:spcPct val="150000"/>
+              </a:lnSpc>
+              <a:spcAft>
+                <a:spcPts val="605"/>
+              </a:spcAft>
+              <a:buNone/>
+            </a:pPr>
+            <a:r>
+              <a:rPr lang="en-US" altLang="zh-CN" dirty="0">
+                <a:solidFill>
+                  <a:schemeClr val="tx1">
+                    <a:alpha val="70000"/>
+                  </a:schemeClr>
+                </a:solidFill>
+                <a:latin typeface="Arial" panose="020B0604020202020204" pitchFamily="34" charset="0"/>
+                <a:ea typeface="Arial" panose="020B0604020202020204" pitchFamily="34" charset="0"/>
+                <a:sym typeface="Arial" panose="020B0604020202020204" pitchFamily="34" charset="0"/>
+              </a:rPr>
+              <a:t>Agile project management is unique because it focuses on delivering quality and value to customers while completing the project within the given timeline.</a:t>
+            </a:r>
+          </a:p>
+          <a:p>
+            <a:pPr marL="160095" indent="0">
+              <a:lnSpc>
+                <a:spcPct val="150000"/>
+              </a:lnSpc>
+              <a:spcAft>
+                <a:spcPts val="605"/>
+              </a:spcAft>
+              <a:buNone/>
+            </a:pPr>
+            <a:r>
+              <a:rPr lang="en-US" altLang="zh-CN" dirty="0">
+                <a:solidFill>
+                  <a:schemeClr val="tx1">
+                    <a:alpha val="70000"/>
+                  </a:schemeClr>
+                </a:solidFill>
+                <a:latin typeface="Arial" panose="020B0604020202020204" pitchFamily="34" charset="0"/>
+                <a:ea typeface="Arial" panose="020B0604020202020204" pitchFamily="34" charset="0"/>
+                <a:sym typeface="Arial" panose="020B0604020202020204" pitchFamily="34" charset="0"/>
+              </a:rPr>
+              <a:t>It makes the managers' jobs easier and gives them greater control over their projects. </a:t>
+            </a:r>
+          </a:p>
+          <a:p>
+            <a:pPr marL="160095" indent="0">
+              <a:lnSpc>
+                <a:spcPct val="150000"/>
+              </a:lnSpc>
+              <a:spcAft>
+                <a:spcPts val="605"/>
+              </a:spcAft>
+              <a:buNone/>
+            </a:pPr>
+            <a:r>
+              <a:rPr lang="en-US" altLang="zh-CN" dirty="0">
+                <a:solidFill>
+                  <a:schemeClr val="tx1">
+                    <a:alpha val="70000"/>
+                  </a:schemeClr>
+                </a:solidFill>
+                <a:latin typeface="Arial" panose="020B0604020202020204" pitchFamily="34" charset="0"/>
+                <a:ea typeface="Arial" panose="020B0604020202020204" pitchFamily="34" charset="0"/>
+                <a:sym typeface="Arial" panose="020B0604020202020204" pitchFamily="34" charset="0"/>
+              </a:rPr>
+              <a:t>Agile has many advantages; I summarized them in 4 points :</a:t>
+            </a:r>
+          </a:p>
+          <a:p>
+            <a:pPr marL="390632" indent="-230537">
+              <a:lnSpc>
+                <a:spcPct val="150000"/>
+              </a:lnSpc>
+              <a:spcAft>
+                <a:spcPts val="605"/>
+              </a:spcAft>
+              <a:buAutoNum type="arabicPeriod"/>
+            </a:pPr>
+            <a:r>
+              <a:rPr lang="en-US" altLang="zh-CN" b="1" dirty="0">
+                <a:solidFill>
+                  <a:schemeClr val="tx1">
+                    <a:alpha val="70000"/>
+                  </a:schemeClr>
+                </a:solidFill>
+                <a:latin typeface="Arial" panose="020B0604020202020204" pitchFamily="34" charset="0"/>
+                <a:ea typeface="Arial" panose="020B0604020202020204" pitchFamily="34" charset="0"/>
+                <a:sym typeface="Arial" panose="020B0604020202020204" pitchFamily="34" charset="0"/>
+              </a:rPr>
+              <a:t>Predictability</a:t>
+            </a:r>
+            <a:r>
+              <a:rPr lang="en-US" altLang="zh-CN" dirty="0">
+                <a:solidFill>
+                  <a:schemeClr val="tx1">
+                    <a:alpha val="70000"/>
+                  </a:schemeClr>
+                </a:solidFill>
+                <a:latin typeface="Arial" panose="020B0604020202020204" pitchFamily="34" charset="0"/>
+                <a:ea typeface="Arial" panose="020B0604020202020204" pitchFamily="34" charset="0"/>
+                <a:sym typeface="Arial" panose="020B0604020202020204" pitchFamily="34" charset="0"/>
+              </a:rPr>
+              <a:t>: with increased visibility, the PM can oversee performance and develop timely mitigation plans if necessary.</a:t>
+            </a:r>
+          </a:p>
+          <a:p>
+            <a:pPr marL="390632" indent="-230537">
+              <a:lnSpc>
+                <a:spcPct val="150000"/>
+              </a:lnSpc>
+              <a:spcAft>
+                <a:spcPts val="605"/>
+              </a:spcAft>
+              <a:buAutoNum type="arabicPeriod"/>
+            </a:pPr>
+            <a:r>
+              <a:rPr lang="en-US" altLang="zh-CN" b="1" dirty="0">
+                <a:solidFill>
+                  <a:schemeClr val="tx1">
+                    <a:alpha val="70000"/>
+                  </a:schemeClr>
+                </a:solidFill>
+                <a:latin typeface="Arial" panose="020B0604020202020204" pitchFamily="34" charset="0"/>
+                <a:ea typeface="Arial" panose="020B0604020202020204" pitchFamily="34" charset="0"/>
+                <a:sym typeface="Arial" panose="020B0604020202020204" pitchFamily="34" charset="0"/>
+              </a:rPr>
+              <a:t>Reduced risk</a:t>
+            </a:r>
+            <a:r>
+              <a:rPr lang="en-US" altLang="zh-CN" dirty="0">
+                <a:solidFill>
+                  <a:schemeClr val="tx1">
+                    <a:alpha val="70000"/>
+                  </a:schemeClr>
+                </a:solidFill>
+                <a:latin typeface="Arial" panose="020B0604020202020204" pitchFamily="34" charset="0"/>
+                <a:ea typeface="Arial" panose="020B0604020202020204" pitchFamily="34" charset="0"/>
+                <a:sym typeface="Arial" panose="020B0604020202020204" pitchFamily="34" charset="0"/>
+              </a:rPr>
+              <a:t>: since agile is all about working in iterations or sprints, this means that the team is entirely focused on delivering that sprint which reduces possible risks</a:t>
+            </a:r>
+          </a:p>
+          <a:p>
+            <a:pPr marL="390632" indent="-230537">
+              <a:lnSpc>
+                <a:spcPct val="150000"/>
+              </a:lnSpc>
+              <a:spcAft>
+                <a:spcPts val="605"/>
+              </a:spcAft>
+              <a:buAutoNum type="arabicPeriod"/>
+            </a:pPr>
+            <a:r>
+              <a:rPr lang="en-US" altLang="zh-CN" b="1" dirty="0">
+                <a:solidFill>
+                  <a:schemeClr val="tx1">
+                    <a:alpha val="70000"/>
+                  </a:schemeClr>
+                </a:solidFill>
+                <a:latin typeface="Arial" panose="020B0604020202020204" pitchFamily="34" charset="0"/>
+                <a:ea typeface="Arial" panose="020B0604020202020204" pitchFamily="34" charset="0"/>
+                <a:sym typeface="Arial" panose="020B0604020202020204" pitchFamily="34" charset="0"/>
+              </a:rPr>
+              <a:t>Improved quality:</a:t>
+            </a:r>
+            <a:r>
+              <a:rPr lang="en-US" altLang="zh-CN" dirty="0">
+                <a:solidFill>
+                  <a:schemeClr val="tx1">
+                    <a:alpha val="70000"/>
+                  </a:schemeClr>
+                </a:solidFill>
+                <a:latin typeface="Arial" panose="020B0604020202020204" pitchFamily="34" charset="0"/>
+                <a:ea typeface="Arial" panose="020B0604020202020204" pitchFamily="34" charset="0"/>
+                <a:sym typeface="Arial" panose="020B0604020202020204" pitchFamily="34" charset="0"/>
+              </a:rPr>
+              <a:t> in agile, </a:t>
+            </a:r>
+            <a:r>
+              <a:rPr lang="en-US" altLang="zh-CN" dirty="0" err="1">
+                <a:solidFill>
+                  <a:schemeClr val="tx1">
+                    <a:alpha val="70000"/>
+                  </a:schemeClr>
+                </a:solidFill>
+                <a:latin typeface="Arial" panose="020B0604020202020204" pitchFamily="34" charset="0"/>
+                <a:ea typeface="Arial" panose="020B0604020202020204" pitchFamily="34" charset="0"/>
+                <a:sym typeface="Arial" panose="020B0604020202020204" pitchFamily="34" charset="0"/>
+              </a:rPr>
+              <a:t>tesing</a:t>
+            </a:r>
+            <a:r>
+              <a:rPr lang="en-US" altLang="zh-CN" dirty="0">
+                <a:solidFill>
+                  <a:schemeClr val="tx1">
+                    <a:alpha val="70000"/>
+                  </a:schemeClr>
+                </a:solidFill>
+                <a:latin typeface="Arial" panose="020B0604020202020204" pitchFamily="34" charset="0"/>
+                <a:ea typeface="Arial" panose="020B0604020202020204" pitchFamily="34" charset="0"/>
+                <a:sym typeface="Arial" panose="020B0604020202020204" pitchFamily="34" charset="0"/>
+              </a:rPr>
+              <a:t> is a critical part activated at each sprint, and the client is involved in the whole process. With that, the team will be able to deliver the best solution that matches the customer's needs with the best value.</a:t>
+            </a:r>
+          </a:p>
+          <a:p>
+            <a:pPr marL="390632" indent="-230537">
+              <a:lnSpc>
+                <a:spcPct val="150000"/>
+              </a:lnSpc>
+              <a:spcAft>
+                <a:spcPts val="605"/>
+              </a:spcAft>
+              <a:buAutoNum type="arabicPeriod"/>
+            </a:pPr>
+            <a:r>
+              <a:rPr lang="en-US" altLang="zh-CN" b="1" dirty="0">
+                <a:solidFill>
+                  <a:schemeClr val="tx1">
+                    <a:alpha val="70000"/>
+                  </a:schemeClr>
+                </a:solidFill>
+                <a:latin typeface="Arial" panose="020B0604020202020204" pitchFamily="34" charset="0"/>
+                <a:ea typeface="Arial" panose="020B0604020202020204" pitchFamily="34" charset="0"/>
+                <a:sym typeface="Arial" panose="020B0604020202020204" pitchFamily="34" charset="0"/>
+              </a:rPr>
+              <a:t>Better communication</a:t>
+            </a:r>
+            <a:r>
+              <a:rPr lang="en-US" altLang="zh-CN" dirty="0">
+                <a:solidFill>
+                  <a:schemeClr val="tx1">
+                    <a:alpha val="70000"/>
+                  </a:schemeClr>
+                </a:solidFill>
+                <a:latin typeface="Arial" panose="020B0604020202020204" pitchFamily="34" charset="0"/>
+                <a:ea typeface="Arial" panose="020B0604020202020204" pitchFamily="34" charset="0"/>
+                <a:sym typeface="Arial" panose="020B0604020202020204" pitchFamily="34" charset="0"/>
+              </a:rPr>
+              <a:t>: Agile promotes regular meetings with team members, customers, sponsors, and any concerned party. Doing this will remove any unclarity between parties and eventually help the agile team achieves success.</a:t>
+            </a:r>
+          </a:p>
+          <a:p>
             <a:pPr marL="0" lvl="0" indent="0" algn="l" rtl="0">
               <a:spcBef>
                 <a:spcPts val="0"/>
@@ -1712,7 +2067,7 @@
               </a:spcAft>
               <a:buNone/>
             </a:pPr>
-            <a:endParaRPr/>
+            <a:endParaRPr dirty="0"/>
           </a:p>
         </p:txBody>
       </p:sp>
@@ -1825,16 +2180,170 @@
           </a:bodyPr>
           <a:lstStyle/>
           <a:p>
-            <a:pPr marL="0" lvl="0" indent="0" algn="l" rtl="0">
-              <a:spcBef>
-                <a:spcPts val="0"/>
-              </a:spcBef>
-              <a:spcAft>
-                <a:spcPts val="0"/>
-              </a:spcAft>
+            <a:pPr marL="0" indent="0">
               <a:buNone/>
             </a:pPr>
-            <a:endParaRPr/>
+            <a:r>
+              <a:rPr lang="en-US" dirty="0"/>
+              <a:t>It is built on 12 principles that are </a:t>
+            </a:r>
+            <a:r>
+              <a:rPr lang="en-US" dirty="0" err="1"/>
+              <a:t>designd</a:t>
+            </a:r>
+            <a:r>
+              <a:rPr lang="en-US" dirty="0"/>
+              <a:t> to help companies and teams are </a:t>
+            </a:r>
+            <a:r>
+              <a:rPr lang="en-US" dirty="0">
+                <a:sym typeface="+mn-ea"/>
+              </a:rPr>
+              <a:t>prioritizing the core of being </a:t>
+            </a:r>
+            <a:r>
+              <a:rPr lang="en-US" dirty="0" err="1">
+                <a:sym typeface="+mn-ea"/>
+              </a:rPr>
+              <a:t>agile“Customers</a:t>
+            </a:r>
+            <a:r>
+              <a:rPr lang="en-US" dirty="0">
+                <a:sym typeface="+mn-ea"/>
+              </a:rPr>
+              <a:t>, working software,  collaboration, responding to change. </a:t>
+            </a:r>
+          </a:p>
+          <a:p>
+            <a:pPr marL="0" indent="0">
+              <a:buNone/>
+            </a:pPr>
+            <a:endParaRPr lang="en-US" dirty="0"/>
+          </a:p>
+          <a:p>
+            <a:pPr marL="0" indent="0">
+              <a:buNone/>
+            </a:pPr>
+            <a:r>
+              <a:rPr lang="en-US" dirty="0"/>
+              <a:t>here are the 12 </a:t>
+            </a:r>
+            <a:r>
+              <a:rPr lang="en-US" dirty="0">
+                <a:sym typeface="+mn-ea"/>
+              </a:rPr>
+              <a:t>principles : </a:t>
+            </a:r>
+          </a:p>
+          <a:p>
+            <a:pPr marL="230537" indent="-230537">
+              <a:buAutoNum type="arabicPeriod"/>
+            </a:pPr>
+            <a:r>
+              <a:rPr lang="en-US" dirty="0">
+                <a:sym typeface="+mn-ea"/>
+              </a:rPr>
+              <a:t>Our highest priority is to satisfy the customer through early and continuous delivery of valuable software.</a:t>
+            </a:r>
+          </a:p>
+          <a:p>
+            <a:pPr marL="230537" indent="-230537">
+              <a:buAutoNum type="arabicPeriod"/>
+            </a:pPr>
+            <a:r>
+              <a:rPr lang="en-US" dirty="0"/>
+              <a:t>Welcome changing requirements, even late in development. Agile processes harness change for the customer’s competitive advantage.</a:t>
+            </a:r>
+          </a:p>
+          <a:p>
+            <a:pPr marL="230537" indent="-230537">
+              <a:buAutoNum type="arabicPeriod"/>
+            </a:pPr>
+            <a:r>
+              <a:rPr lang="en-US" dirty="0"/>
+              <a:t>Deliver working software frequently, from a couple of weeks to a couple of months, with a preference to the shorter timescale.</a:t>
+            </a:r>
+          </a:p>
+          <a:p>
+            <a:pPr marL="230537" indent="-230537">
+              <a:buAutoNum type="arabicPeriod"/>
+            </a:pPr>
+            <a:r>
+              <a:rPr lang="en-US" dirty="0"/>
+              <a:t>Business people and developers must work together daily throughout the project.</a:t>
+            </a:r>
+          </a:p>
+          <a:p>
+            <a:pPr marL="230537" indent="-230537">
+              <a:buAutoNum type="arabicPeriod"/>
+            </a:pPr>
+            <a:r>
+              <a:rPr lang="en-US" dirty="0"/>
+              <a:t>Build projects around motivated individuals. Give them the environment and support they need, and trust them to get the job done.</a:t>
+            </a:r>
+          </a:p>
+          <a:p>
+            <a:pPr marL="230537" indent="-230537">
+              <a:buAutoNum type="arabicPeriod"/>
+            </a:pPr>
+            <a:r>
+              <a:rPr lang="en-US" dirty="0"/>
+              <a:t>The most efficient and effective method of conveying information to and within a development team is face-to-face conversation.</a:t>
+            </a:r>
+          </a:p>
+          <a:p>
+            <a:pPr marL="230537" indent="-230537">
+              <a:buAutoNum type="arabicPeriod"/>
+            </a:pPr>
+            <a:r>
+              <a:rPr lang="en-US" dirty="0"/>
+              <a:t>Working software is the primary measure of progress.</a:t>
+            </a:r>
+          </a:p>
+          <a:p>
+            <a:pPr marL="230537" indent="-230537">
+              <a:buAutoNum type="arabicPeriod"/>
+            </a:pPr>
+            <a:r>
+              <a:rPr lang="en-US" dirty="0"/>
+              <a:t>Agile processes promote sustainable development. The sponsors, developers, and users should be able to maintain a constant pace indefinitely.</a:t>
+            </a:r>
+          </a:p>
+          <a:p>
+            <a:pPr marL="230537" indent="-230537">
+              <a:buAutoNum type="arabicPeriod"/>
+            </a:pPr>
+            <a:r>
+              <a:rPr lang="en-US" dirty="0"/>
+              <a:t>Continuous attention to technical excellence and good design enhances agility.</a:t>
+            </a:r>
+          </a:p>
+          <a:p>
+            <a:pPr marL="230537" indent="-230537">
+              <a:buAutoNum type="arabicPeriod"/>
+            </a:pPr>
+            <a:r>
+              <a:rPr lang="en-US" dirty="0"/>
+              <a:t>Simplicity–the art of maximizing the amount of work not done–is essential.</a:t>
+            </a:r>
+          </a:p>
+          <a:p>
+            <a:pPr marL="230537" indent="-230537">
+              <a:buAutoNum type="arabicPeriod"/>
+            </a:pPr>
+            <a:r>
+              <a:rPr lang="en-US" dirty="0"/>
+              <a:t>The best architectures, requirements, and designs emerge from self-organizing teams.</a:t>
+            </a:r>
+          </a:p>
+          <a:p>
+            <a:pPr marL="230537" indent="-230537">
+              <a:buAutoNum type="arabicPeriod"/>
+            </a:pPr>
+            <a:r>
+              <a:rPr lang="en-US" dirty="0"/>
+              <a:t>At regular intervals, the team reflects on how to become more effective, then tunes and adjusts its behavior accordingly.</a:t>
+            </a:r>
           </a:p>
         </p:txBody>
       </p:sp>
@@ -1934,6 +2443,72 @@
           </a:bodyPr>
           <a:lstStyle/>
           <a:p>
+            <a:pPr marL="0" indent="0">
+              <a:buNone/>
+            </a:pPr>
+            <a:r>
+              <a:rPr lang="en-US" altLang="zh-CN" dirty="0">
+                <a:solidFill>
+                  <a:schemeClr val="tx1">
+                    <a:alpha val="70000"/>
+                  </a:schemeClr>
+                </a:solidFill>
+                <a:latin typeface="Arial" panose="020B0604020202020204" pitchFamily="34" charset="0"/>
+                <a:ea typeface="Arial" panose="020B0604020202020204" pitchFamily="34" charset="0"/>
+                <a:sym typeface="Arial" panose="020B0604020202020204" pitchFamily="34" charset="0"/>
+              </a:rPr>
+              <a:t>The waterfall approach is maybe the most well-known methodology in project management. It follows a linear process where each task must be completed before moving on to the next. This methodology has proven its excellence. However, it would not work in a fast-paced software development environment, where clients regularly change their minds and insist on new deliverables.</a:t>
+            </a:r>
+          </a:p>
+          <a:p>
+            <a:pPr marL="0" indent="0">
+              <a:buNone/>
+            </a:pPr>
+            <a:endParaRPr lang="en-US" altLang="zh-CN" dirty="0">
+              <a:solidFill>
+                <a:schemeClr val="tx1">
+                  <a:alpha val="70000"/>
+                </a:schemeClr>
+              </a:solidFill>
+              <a:latin typeface="Arial" panose="020B0604020202020204" pitchFamily="34" charset="0"/>
+              <a:ea typeface="Arial" panose="020B0604020202020204" pitchFamily="34" charset="0"/>
+              <a:sym typeface="Arial" panose="020B0604020202020204" pitchFamily="34" charset="0"/>
+            </a:endParaRPr>
+          </a:p>
+          <a:p>
+            <a:pPr marL="0" indent="0">
+              <a:buNone/>
+            </a:pPr>
+            <a:r>
+              <a:rPr lang="en-US" altLang="zh-CN" dirty="0">
+                <a:solidFill>
+                  <a:schemeClr val="tx1">
+                    <a:alpha val="70000"/>
+                  </a:schemeClr>
+                </a:solidFill>
+                <a:latin typeface="Arial" panose="020B0604020202020204" pitchFamily="34" charset="0"/>
+                <a:ea typeface="Arial" panose="020B0604020202020204" pitchFamily="34" charset="0"/>
+                <a:sym typeface="Arial" panose="020B0604020202020204" pitchFamily="34" charset="0"/>
+              </a:rPr>
+              <a:t>On the other hand, Agile was developed as a response to Waterfall’s linear structure. To act as a flexible method that welcomes incorporating changes of direction even late in the process and accounting for stakeholders’ feedback throughout the process.</a:t>
+            </a:r>
+          </a:p>
+          <a:p>
+            <a:pPr marL="0" indent="0">
+              <a:buNone/>
+            </a:pPr>
+            <a:endParaRPr lang="en-US" altLang="zh-CN" dirty="0">
+              <a:solidFill>
+                <a:schemeClr val="tx1">
+                  <a:alpha val="70000"/>
+                </a:schemeClr>
+              </a:solidFill>
+              <a:latin typeface="Arial" panose="020B0604020202020204" pitchFamily="34" charset="0"/>
+              <a:ea typeface="Arial" panose="020B0604020202020204" pitchFamily="34" charset="0"/>
+              <a:sym typeface="Arial" panose="020B0604020202020204" pitchFamily="34" charset="0"/>
+            </a:endParaRPr>
+          </a:p>
+          <a:p>
             <a:pPr marL="0" lvl="0" indent="0" algn="l" rtl="0">
               <a:spcBef>
                 <a:spcPts val="0"/>
@@ -1943,7 +2518,7 @@
               </a:spcAft>
               <a:buNone/>
             </a:pPr>
-            <a:endParaRPr/>
+            <a:endParaRPr dirty="0"/>
           </a:p>
         </p:txBody>
       </p:sp>
@@ -2282,6 +2857,132 @@
           </a:bodyPr>
           <a:lstStyle/>
           <a:p>
+            <a:pPr marL="0" indent="0">
+              <a:buNone/>
+            </a:pPr>
+            <a:r>
+              <a:rPr lang="en-US" altLang="zh-CN" dirty="0">
+                <a:solidFill>
+                  <a:schemeClr val="tx1">
+                    <a:alpha val="70000"/>
+                  </a:schemeClr>
+                </a:solidFill>
+                <a:latin typeface="Arial" panose="020B0604020202020204" pitchFamily="34" charset="0"/>
+                <a:ea typeface="Arial" panose="020B0604020202020204" pitchFamily="34" charset="0"/>
+                <a:sym typeface="+mn-ea"/>
+              </a:rPr>
+              <a:t>“Agile” is an umbrella term for all the methodologies that follow the values and principles in the Agile Manifesto. Organizations can be agile using any of the available Agile Frameworks described below.</a:t>
+            </a:r>
+            <a:endParaRPr lang="en-US" altLang="zh-CN" dirty="0">
+              <a:solidFill>
+                <a:schemeClr val="tx1">
+                  <a:alpha val="70000"/>
+                </a:schemeClr>
+              </a:solidFill>
+              <a:latin typeface="Arial" panose="020B0604020202020204" pitchFamily="34" charset="0"/>
+              <a:ea typeface="Arial" panose="020B0604020202020204" pitchFamily="34" charset="0"/>
+            </a:endParaRPr>
+          </a:p>
+          <a:p>
+            <a:pPr marL="0" indent="0">
+              <a:buNone/>
+            </a:pPr>
+            <a:endParaRPr lang="en-US" dirty="0">
+              <a:solidFill>
+                <a:schemeClr val="tx1"/>
+              </a:solidFill>
+            </a:endParaRPr>
+          </a:p>
+          <a:p>
+            <a:pPr marL="0" indent="0">
+              <a:buNone/>
+            </a:pPr>
+            <a:r>
+              <a:rPr lang="en-US" altLang="zh-CN" dirty="0">
+                <a:solidFill>
+                  <a:schemeClr val="tx1">
+                    <a:alpha val="70000"/>
+                  </a:schemeClr>
+                </a:solidFill>
+                <a:latin typeface="Arial" panose="020B0604020202020204" pitchFamily="34" charset="0"/>
+                <a:ea typeface="Arial" panose="020B0604020202020204" pitchFamily="34" charset="0"/>
+                <a:sym typeface="Arial" panose="020B0604020202020204" pitchFamily="34" charset="0"/>
+              </a:rPr>
+              <a:t>Scrum is an Agile framework that uses set processes and protocols, including sprints, to enhance collaboration and continuously improve upon problems.</a:t>
+            </a:r>
+          </a:p>
+          <a:p>
+            <a:pPr marL="0" indent="0">
+              <a:buNone/>
+            </a:pPr>
+            <a:endParaRPr lang="en-US" dirty="0">
+              <a:solidFill>
+                <a:schemeClr val="tx1"/>
+              </a:solidFill>
+            </a:endParaRPr>
+          </a:p>
+          <a:p>
+            <a:pPr marL="0" indent="0">
+              <a:buNone/>
+            </a:pPr>
+            <a:r>
+              <a:rPr lang="en-US" altLang="zh-CN" dirty="0">
+                <a:solidFill>
+                  <a:schemeClr val="tx1">
+                    <a:alpha val="70000"/>
+                  </a:schemeClr>
+                </a:solidFill>
+                <a:latin typeface="Arial" panose="020B0604020202020204" pitchFamily="34" charset="0"/>
+                <a:ea typeface="Arial" panose="020B0604020202020204" pitchFamily="34" charset="0"/>
+                <a:sym typeface="Arial" panose="020B0604020202020204" pitchFamily="34" charset="0"/>
+              </a:rPr>
+              <a:t>Extreme Programing An agile software development framework that seeks to produce high-quality software, and a higher quality of life for the development team</a:t>
+            </a:r>
+          </a:p>
+          <a:p>
+            <a:pPr marL="0" indent="0">
+              <a:buNone/>
+            </a:pPr>
+            <a:endParaRPr lang="en-US" dirty="0">
+              <a:solidFill>
+                <a:schemeClr val="tx1"/>
+              </a:solidFill>
+            </a:endParaRPr>
+          </a:p>
+          <a:p>
+            <a:pPr marL="0" indent="0">
+              <a:buNone/>
+            </a:pPr>
+            <a:r>
+              <a:rPr lang="en-US" altLang="zh-CN" dirty="0">
+                <a:solidFill>
+                  <a:schemeClr val="tx1">
+                    <a:alpha val="70000"/>
+                  </a:schemeClr>
+                </a:solidFill>
+                <a:latin typeface="Arial" panose="020B0604020202020204" pitchFamily="34" charset="0"/>
+                <a:ea typeface="Arial" panose="020B0604020202020204" pitchFamily="34" charset="0"/>
+                <a:sym typeface="Arial" panose="020B0604020202020204" pitchFamily="34" charset="0"/>
+              </a:rPr>
+              <a:t> a Kanban board is a visual representation of a workflow. Kanban cards - tasks - will move through various process stages right towards completion.</a:t>
+            </a:r>
+          </a:p>
+          <a:p>
+            <a:pPr marL="0" indent="0">
+              <a:buNone/>
+            </a:pPr>
+            <a:endParaRPr lang="en-US" altLang="zh-CN" dirty="0">
+              <a:solidFill>
+                <a:schemeClr val="tx1">
+                  <a:alpha val="70000"/>
+                </a:schemeClr>
+              </a:solidFill>
+              <a:latin typeface="Arial" panose="020B0604020202020204" pitchFamily="34" charset="0"/>
+              <a:ea typeface="Arial" panose="020B0604020202020204" pitchFamily="34" charset="0"/>
+              <a:sym typeface="Arial" panose="020B0604020202020204" pitchFamily="34" charset="0"/>
+            </a:endParaRPr>
+          </a:p>
+          <a:p>
             <a:pPr marL="0" lvl="0" indent="0" algn="l" rtl="0">
               <a:spcBef>
                 <a:spcPts val="0"/>
@@ -2291,7 +2992,7 @@
               </a:spcAft>
               <a:buNone/>
             </a:pPr>
-            <a:endParaRPr/>
+            <a:endParaRPr dirty="0"/>
           </a:p>
         </p:txBody>
       </p:sp>
